--- a/Post Christmas break meeting.pptx
+++ b/Post Christmas break meeting.pptx
@@ -127,16 +127,32 @@
 </p:presentation>
 </file>
 
-<file path=ppt/revisionInfo.xml><?xml version="1.0" encoding="utf-8"?>
-<p1510:revInfo xmlns:a="http://schemas.openxmlformats.org/drawingml/2006/main" xmlns:r="http://schemas.openxmlformats.org/officeDocument/2006/relationships" xmlns:p1510="http://schemas.microsoft.com/office/powerpoint/2015/10/main">
-  <p1510:revLst>
-    <p1510:client id="{729200B6-2D8C-4A29-B401-78A5DBC2E64B}" v="76" dt="2023-01-10T16:45:11.867"/>
-  </p1510:revLst>
-</p1510:revInfo>
-</file>
-
 <file path=ppt/changesInfos/changesInfo1.xml><?xml version="1.0" encoding="utf-8"?>
 <pc:chgInfo xmlns:a="http://schemas.openxmlformats.org/drawingml/2006/main" xmlns:r="http://schemas.openxmlformats.org/officeDocument/2006/relationships" xmlns:ac="http://schemas.microsoft.com/office/drawing/2013/main/command" xmlns:pc="http://schemas.microsoft.com/office/powerpoint/2013/main/command">
+  <pc:docChgLst>
+    <pc:chgData name="Lina Ben Younes" userId="eaf90ba17de8573d" providerId="LiveId" clId="{343CDC61-06A8-456B-B17C-D4C182958DBC}"/>
+    <pc:docChg chg="modSld">
+      <pc:chgData name="Lina Ben Younes" userId="eaf90ba17de8573d" providerId="LiveId" clId="{343CDC61-06A8-456B-B17C-D4C182958DBC}" dt="2023-01-19T14:34:02.708" v="0" actId="1036"/>
+      <pc:docMkLst>
+        <pc:docMk/>
+      </pc:docMkLst>
+      <pc:sldChg chg="modSp mod">
+        <pc:chgData name="Lina Ben Younes" userId="eaf90ba17de8573d" providerId="LiveId" clId="{343CDC61-06A8-456B-B17C-D4C182958DBC}" dt="2023-01-19T14:34:02.708" v="0" actId="1036"/>
+        <pc:sldMkLst>
+          <pc:docMk/>
+          <pc:sldMk cId="832015412" sldId="262"/>
+        </pc:sldMkLst>
+        <pc:picChg chg="mod">
+          <ac:chgData name="Lina Ben Younes" userId="eaf90ba17de8573d" providerId="LiveId" clId="{343CDC61-06A8-456B-B17C-D4C182958DBC}" dt="2023-01-19T14:34:02.708" v="0" actId="1036"/>
+          <ac:picMkLst>
+            <pc:docMk/>
+            <pc:sldMk cId="832015412" sldId="262"/>
+            <ac:picMk id="7" creationId="{3329CD5D-2A17-3021-2953-72B56DE31BD0}"/>
+          </ac:picMkLst>
+        </pc:picChg>
+      </pc:sldChg>
+    </pc:docChg>
+  </pc:docChgLst>
   <pc:docChgLst>
     <pc:chgData name="Lina Ben Younes" userId="eaf90ba17de8573d" providerId="LiveId" clId="{729200B6-2D8C-4A29-B401-78A5DBC2E64B}"/>
     <pc:docChg chg="undo redo custSel addSld modSld">
@@ -827,7 +843,7 @@
           <a:p>
             <a:fld id="{DB72AF8D-12CF-4EC3-B75D-6517372B03A7}" type="datetimeFigureOut">
               <a:rPr lang="en-GB" smtClean="0"/>
-              <a:t>10/01/2023</a:t>
+              <a:t>19/01/2023</a:t>
             </a:fld>
             <a:endParaRPr lang="en-GB"/>
           </a:p>
@@ -1244,7 +1260,7 @@
           <a:p>
             <a:fld id="{24A0CB0A-1355-43D0-8122-5B083C04736D}" type="datetimeFigureOut">
               <a:rPr lang="en-GB" smtClean="0"/>
-              <a:t>10/01/2023</a:t>
+              <a:t>19/01/2023</a:t>
             </a:fld>
             <a:endParaRPr lang="en-GB"/>
           </a:p>
@@ -1444,7 +1460,7 @@
           <a:p>
             <a:fld id="{24A0CB0A-1355-43D0-8122-5B083C04736D}" type="datetimeFigureOut">
               <a:rPr lang="en-GB" smtClean="0"/>
-              <a:t>10/01/2023</a:t>
+              <a:t>19/01/2023</a:t>
             </a:fld>
             <a:endParaRPr lang="en-GB"/>
           </a:p>
@@ -1654,7 +1670,7 @@
           <a:p>
             <a:fld id="{24A0CB0A-1355-43D0-8122-5B083C04736D}" type="datetimeFigureOut">
               <a:rPr lang="en-GB" smtClean="0"/>
-              <a:t>10/01/2023</a:t>
+              <a:t>19/01/2023</a:t>
             </a:fld>
             <a:endParaRPr lang="en-GB"/>
           </a:p>
@@ -1854,7 +1870,7 @@
           <a:p>
             <a:fld id="{24A0CB0A-1355-43D0-8122-5B083C04736D}" type="datetimeFigureOut">
               <a:rPr lang="en-GB" smtClean="0"/>
-              <a:t>10/01/2023</a:t>
+              <a:t>19/01/2023</a:t>
             </a:fld>
             <a:endParaRPr lang="en-GB"/>
           </a:p>
@@ -2130,7 +2146,7 @@
           <a:p>
             <a:fld id="{24A0CB0A-1355-43D0-8122-5B083C04736D}" type="datetimeFigureOut">
               <a:rPr lang="en-GB" smtClean="0"/>
-              <a:t>10/01/2023</a:t>
+              <a:t>19/01/2023</a:t>
             </a:fld>
             <a:endParaRPr lang="en-GB"/>
           </a:p>
@@ -2398,7 +2414,7 @@
           <a:p>
             <a:fld id="{24A0CB0A-1355-43D0-8122-5B083C04736D}" type="datetimeFigureOut">
               <a:rPr lang="en-GB" smtClean="0"/>
-              <a:t>10/01/2023</a:t>
+              <a:t>19/01/2023</a:t>
             </a:fld>
             <a:endParaRPr lang="en-GB"/>
           </a:p>
@@ -2813,7 +2829,7 @@
           <a:p>
             <a:fld id="{24A0CB0A-1355-43D0-8122-5B083C04736D}" type="datetimeFigureOut">
               <a:rPr lang="en-GB" smtClean="0"/>
-              <a:t>10/01/2023</a:t>
+              <a:t>19/01/2023</a:t>
             </a:fld>
             <a:endParaRPr lang="en-GB"/>
           </a:p>
@@ -2955,7 +2971,7 @@
           <a:p>
             <a:fld id="{24A0CB0A-1355-43D0-8122-5B083C04736D}" type="datetimeFigureOut">
               <a:rPr lang="en-GB" smtClean="0"/>
-              <a:t>10/01/2023</a:t>
+              <a:t>19/01/2023</a:t>
             </a:fld>
             <a:endParaRPr lang="en-GB"/>
           </a:p>
@@ -3068,7 +3084,7 @@
           <a:p>
             <a:fld id="{24A0CB0A-1355-43D0-8122-5B083C04736D}" type="datetimeFigureOut">
               <a:rPr lang="en-GB" smtClean="0"/>
-              <a:t>10/01/2023</a:t>
+              <a:t>19/01/2023</a:t>
             </a:fld>
             <a:endParaRPr lang="en-GB"/>
           </a:p>
@@ -3381,7 +3397,7 @@
           <a:p>
             <a:fld id="{24A0CB0A-1355-43D0-8122-5B083C04736D}" type="datetimeFigureOut">
               <a:rPr lang="en-GB" smtClean="0"/>
-              <a:t>10/01/2023</a:t>
+              <a:t>19/01/2023</a:t>
             </a:fld>
             <a:endParaRPr lang="en-GB"/>
           </a:p>
@@ -3670,7 +3686,7 @@
           <a:p>
             <a:fld id="{24A0CB0A-1355-43D0-8122-5B083C04736D}" type="datetimeFigureOut">
               <a:rPr lang="en-GB" smtClean="0"/>
-              <a:t>10/01/2023</a:t>
+              <a:t>19/01/2023</a:t>
             </a:fld>
             <a:endParaRPr lang="en-GB"/>
           </a:p>
@@ -3913,7 +3929,7 @@
           <a:p>
             <a:fld id="{24A0CB0A-1355-43D0-8122-5B083C04736D}" type="datetimeFigureOut">
               <a:rPr lang="en-GB" smtClean="0"/>
-              <a:t>10/01/2023</a:t>
+              <a:t>19/01/2023</a:t>
             </a:fld>
             <a:endParaRPr lang="en-GB"/>
           </a:p>
@@ -7897,7 +7913,7 @@
         </p:blipFill>
         <p:spPr>
           <a:xfrm>
-            <a:off x="8348710" y="486839"/>
+            <a:off x="8348710" y="495152"/>
             <a:ext cx="3101609" cy="1082134"/>
           </a:xfrm>
           <a:prstGeom prst="rect">
